--- a/Ex1.pptx
+++ b/Ex1.pptx
@@ -5,10 +5,10 @@
     <p:sldMasterId id="2147483690" r:id="rId4"/>
   </p:sldMasterIdLst>
   <p:notesMasterIdLst>
-    <p:notesMasterId r:id="rId23"/>
+    <p:notesMasterId r:id="rId29"/>
   </p:notesMasterIdLst>
   <p:handoutMasterIdLst>
-    <p:handoutMasterId r:id="rId24"/>
+    <p:handoutMasterId r:id="rId30"/>
   </p:handoutMasterIdLst>
   <p:sldIdLst>
     <p:sldId id="305" r:id="rId5"/>
@@ -27,8 +27,14 @@
     <p:sldId id="334" r:id="rId18"/>
     <p:sldId id="335" r:id="rId19"/>
     <p:sldId id="338" r:id="rId20"/>
-    <p:sldId id="385" r:id="rId21"/>
-    <p:sldId id="357" r:id="rId22"/>
+    <p:sldId id="388" r:id="rId21"/>
+    <p:sldId id="389" r:id="rId22"/>
+    <p:sldId id="390" r:id="rId23"/>
+    <p:sldId id="391" r:id="rId24"/>
+    <p:sldId id="393" r:id="rId25"/>
+    <p:sldId id="392" r:id="rId26"/>
+    <p:sldId id="385" r:id="rId27"/>
+    <p:sldId id="357" r:id="rId28"/>
   </p:sldIdLst>
   <p:sldSz cx="9144000" cy="6858000" type="screen4x3"/>
   <p:notesSz cx="9144000" cy="6858000"/>
@@ -381,7 +387,7 @@
             <a:fld id="{AB3A9326-6C3C-4BA1-A790-EDC05C5C90B9}" type="datetimeFigureOut">
               <a:rPr lang="en-US" smtClean="0"/>
               <a:pPr/>
-              <a:t>3/20/22</a:t>
+              <a:t>3/22/22</a:t>
             </a:fld>
             <a:endParaRPr lang="en-US"/>
           </a:p>
@@ -972,7 +978,92 @@
             <a:fld id="{38788028-E7A3-4D64-984F-D1874FC8364D}" type="slidenum">
               <a:rPr lang="en-US" smtClean="0"/>
               <a:pPr/>
-              <a:t>17</a:t>
+              <a:t>22</a:t>
+            </a:fld>
+            <a:endParaRPr lang="en-US"/>
+          </a:p>
+        </p:txBody>
+      </p:sp>
+    </p:spTree>
+    <p:extLst>
+      <p:ext uri="{BB962C8B-B14F-4D97-AF65-F5344CB8AC3E}">
+        <p14:creationId xmlns:p14="http://schemas.microsoft.com/office/powerpoint/2010/main" val="166292763"/>
+      </p:ext>
+    </p:extLst>
+  </p:cSld>
+  <p:clrMapOvr>
+    <a:masterClrMapping/>
+  </p:clrMapOvr>
+</p:notes>
+</file>
+
+<file path=ppt/notesSlides/notesSlide5.xml><?xml version="1.0" encoding="utf-8"?>
+<p:notes xmlns:a="http://schemas.openxmlformats.org/drawingml/2006/main" xmlns:r="http://schemas.openxmlformats.org/officeDocument/2006/relationships" xmlns:p="http://schemas.openxmlformats.org/presentationml/2006/main">
+  <p:cSld>
+    <p:spTree>
+      <p:nvGrpSpPr>
+        <p:cNvPr id="1" name=""/>
+        <p:cNvGrpSpPr/>
+        <p:nvPr/>
+      </p:nvGrpSpPr>
+      <p:grpSpPr>
+        <a:xfrm>
+          <a:off x="0" y="0"/>
+          <a:ext cx="0" cy="0"/>
+          <a:chOff x="0" y="0"/>
+          <a:chExt cx="0" cy="0"/>
+        </a:xfrm>
+      </p:grpSpPr>
+      <p:sp>
+        <p:nvSpPr>
+          <p:cNvPr id="2" name="Slide Image Placeholder 1"/>
+          <p:cNvSpPr>
+            <a:spLocks noGrp="1" noRot="1" noChangeAspect="1"/>
+          </p:cNvSpPr>
+          <p:nvPr>
+            <p:ph type="sldImg"/>
+          </p:nvPr>
+        </p:nvSpPr>
+        <p:spPr/>
+      </p:sp>
+      <p:sp>
+        <p:nvSpPr>
+          <p:cNvPr id="3" name="Notes Placeholder 2"/>
+          <p:cNvSpPr>
+            <a:spLocks noGrp="1"/>
+          </p:cNvSpPr>
+          <p:nvPr>
+            <p:ph type="body" idx="1"/>
+          </p:nvPr>
+        </p:nvSpPr>
+        <p:spPr/>
+        <p:txBody>
+          <a:bodyPr/>
+          <a:lstStyle/>
+          <a:p>
+            <a:endParaRPr lang="en-IL" dirty="0"/>
+          </a:p>
+        </p:txBody>
+      </p:sp>
+      <p:sp>
+        <p:nvSpPr>
+          <p:cNvPr id="4" name="Slide Number Placeholder 3"/>
+          <p:cNvSpPr>
+            <a:spLocks noGrp="1"/>
+          </p:cNvSpPr>
+          <p:nvPr>
+            <p:ph type="sldNum" sz="quarter" idx="5"/>
+          </p:nvPr>
+        </p:nvSpPr>
+        <p:spPr/>
+        <p:txBody>
+          <a:bodyPr/>
+          <a:lstStyle/>
+          <a:p>
+            <a:fld id="{38788028-E7A3-4D64-984F-D1874FC8364D}" type="slidenum">
+              <a:rPr lang="en-US" smtClean="0"/>
+              <a:pPr/>
+              <a:t>23</a:t>
             </a:fld>
             <a:endParaRPr lang="en-US"/>
           </a:p>
@@ -1140,7 +1231,7 @@
           <a:p>
             <a:fld id="{DC72231E-DA40-45C4-99AA-458639919FFC}" type="datetime1">
               <a:rPr lang="en-US" smtClean="0"/>
-              <a:t>3/20/22</a:t>
+              <a:t>3/22/22</a:t>
             </a:fld>
             <a:endParaRPr lang="en-US"/>
           </a:p>
@@ -1344,7 +1435,7 @@
           <a:p>
             <a:fld id="{4CA2271A-1279-4968-B8E1-ADD6DC235C10}" type="datetime1">
               <a:rPr lang="en-US" smtClean="0"/>
-              <a:t>3/20/22</a:t>
+              <a:t>3/22/22</a:t>
             </a:fld>
             <a:endParaRPr lang="en-US"/>
           </a:p>
@@ -1558,7 +1649,7 @@
           <a:p>
             <a:fld id="{E7FD20B7-2BAA-4C3E-B20F-D6505171CAE9}" type="datetime1">
               <a:rPr lang="en-US" smtClean="0"/>
-              <a:t>3/20/22</a:t>
+              <a:t>3/22/22</a:t>
             </a:fld>
             <a:endParaRPr lang="en-US"/>
           </a:p>
@@ -1762,7 +1853,7 @@
           <a:p>
             <a:fld id="{79BC5145-36F1-44E1-8A63-4677D8BF0593}" type="datetime1">
               <a:rPr lang="en-US" smtClean="0"/>
-              <a:t>3/20/22</a:t>
+              <a:t>3/22/22</a:t>
             </a:fld>
             <a:endParaRPr lang="en-US"/>
           </a:p>
@@ -2042,7 +2133,7 @@
           <a:p>
             <a:fld id="{4937D5CF-8542-44BF-85A1-4BBB01B74884}" type="datetime1">
               <a:rPr lang="en-US" smtClean="0"/>
-              <a:t>3/20/22</a:t>
+              <a:t>3/22/22</a:t>
             </a:fld>
             <a:endParaRPr lang="en-US"/>
           </a:p>
@@ -2314,7 +2405,7 @@
           <a:p>
             <a:fld id="{A7EE757D-F12F-4F6B-A795-7E22CF7E05F6}" type="datetime1">
               <a:rPr lang="en-US" smtClean="0"/>
-              <a:t>3/20/22</a:t>
+              <a:t>3/22/22</a:t>
             </a:fld>
             <a:endParaRPr lang="en-US"/>
           </a:p>
@@ -2734,7 +2825,7 @@
           <a:p>
             <a:fld id="{A7EE757D-F12F-4F6B-A795-7E22CF7E05F6}" type="datetime1">
               <a:rPr lang="en-US" smtClean="0"/>
-              <a:t>3/20/22</a:t>
+              <a:t>3/22/22</a:t>
             </a:fld>
             <a:endParaRPr lang="en-US"/>
           </a:p>
@@ -2881,7 +2972,7 @@
           <a:p>
             <a:fld id="{E3A6BC09-DCF9-4458-864C-E57AB7520C74}" type="datetime1">
               <a:rPr lang="en-US" smtClean="0"/>
-              <a:t>3/20/22</a:t>
+              <a:t>3/22/22</a:t>
             </a:fld>
             <a:endParaRPr lang="en-US"/>
           </a:p>
@@ -2998,7 +3089,7 @@
           <a:p>
             <a:fld id="{B9E57253-B9BE-438D-912B-49C3DC9C1CF4}" type="datetime1">
               <a:rPr lang="en-US" smtClean="0"/>
-              <a:t>3/20/22</a:t>
+              <a:t>3/22/22</a:t>
             </a:fld>
             <a:endParaRPr lang="en-US"/>
           </a:p>
@@ -3315,7 +3406,7 @@
           <a:p>
             <a:fld id="{EB2E11A8-4722-4E50-90D6-B1D5D95F7B00}" type="datetime1">
               <a:rPr lang="en-US" smtClean="0"/>
-              <a:t>3/20/22</a:t>
+              <a:t>3/22/22</a:t>
             </a:fld>
             <a:endParaRPr lang="en-US"/>
           </a:p>
@@ -3608,7 +3699,7 @@
           <a:p>
             <a:fld id="{000BD20E-8E2B-4C79-8CC6-D017FE51F629}" type="datetime1">
               <a:rPr lang="en-US" smtClean="0"/>
-              <a:t>3/20/22</a:t>
+              <a:t>3/22/22</a:t>
             </a:fld>
             <a:endParaRPr lang="en-US"/>
           </a:p>
@@ -3855,7 +3946,7 @@
           <a:p>
             <a:fld id="{A7EE757D-F12F-4F6B-A795-7E22CF7E05F6}" type="datetime1">
               <a:rPr lang="en-US" smtClean="0"/>
-              <a:t>3/20/22</a:t>
+              <a:t>3/22/22</a:t>
             </a:fld>
             <a:endParaRPr lang="en-US"/>
           </a:p>
@@ -16687,7 +16778,13 @@
       </p:grpSpPr>
       <p:sp>
         <p:nvSpPr>
-          <p:cNvPr id="2" name="Title 1"/>
+          <p:cNvPr id="2" name="Title 1">
+            <a:extLst>
+              <a:ext uri="{FF2B5EF4-FFF2-40B4-BE49-F238E27FC236}">
+                <a16:creationId xmlns:a16="http://schemas.microsoft.com/office/drawing/2014/main" id="{26227FDC-2B5E-8444-9099-228EA62D3C88}"/>
+              </a:ext>
+            </a:extLst>
+          </p:cNvPr>
           <p:cNvSpPr>
             <a:spLocks noGrp="1"/>
           </p:cNvSpPr>
@@ -16697,22 +16794,24 @@
         </p:nvSpPr>
         <p:spPr/>
         <p:txBody>
-          <a:bodyPr/>
+          <a:bodyPr>
+            <a:normAutofit/>
+          </a:bodyPr>
           <a:lstStyle/>
           <a:p>
             <a:r>
-              <a:rPr lang="en-US" dirty="0"/>
-              <a:t>Save Image with Pillow</a:t>
+              <a:rPr lang="en-IL" sz="2800" dirty="0"/>
+              <a:t>Working with images – efficient imeplmentation</a:t>
             </a:r>
           </a:p>
         </p:txBody>
       </p:sp>
       <p:sp>
         <p:nvSpPr>
-          <p:cNvPr id="5" name="Content Placeholder 4">
+          <p:cNvPr id="3" name="Content Placeholder 2">
             <a:extLst>
               <a:ext uri="{FF2B5EF4-FFF2-40B4-BE49-F238E27FC236}">
-                <a16:creationId xmlns:a16="http://schemas.microsoft.com/office/drawing/2014/main" id="{32878B0B-E9CE-5D4C-8811-3735DD6E74BB}"/>
+                <a16:creationId xmlns:a16="http://schemas.microsoft.com/office/drawing/2014/main" id="{F5AB9CCB-FBF9-8F41-A0A8-582A36489014}"/>
               </a:ext>
             </a:extLst>
           </p:cNvPr>
@@ -16723,384 +16822,127 @@
             <p:ph idx="1"/>
           </p:nvPr>
         </p:nvSpPr>
-        <p:spPr>
-          <a:xfrm>
-            <a:off x="457200" y="2133600"/>
-            <a:ext cx="8229600" cy="3992563"/>
-          </a:xfrm>
-        </p:spPr>
+        <p:spPr/>
         <p:txBody>
           <a:bodyPr/>
           <a:lstStyle/>
           <a:p>
             <a:r>
-              <a:rPr lang="en-US" dirty="0" err="1"/>
-              <a:t>img_data</a:t>
-            </a:r>
-            <a:r>
-              <a:rPr lang="en-US" dirty="0"/>
-              <a:t> = </a:t>
-            </a:r>
-            <a:r>
-              <a:rPr lang="en-US" dirty="0" err="1"/>
-              <a:t>img_data.astype</a:t>
-            </a:r>
-            <a:r>
-              <a:rPr lang="en-US" dirty="0"/>
-              <a:t>(np.uint8)</a:t>
+              <a:rPr lang="en-IL" dirty="0"/>
+              <a:t>Efficient implementation of shifting an array at index j:</a:t>
             </a:r>
           </a:p>
           <a:p>
             <a:pPr lvl="1"/>
             <a:r>
-              <a:rPr lang="en-US" dirty="0"/>
-              <a:t>Pixels are stored as 3-bytes (RGB)</a:t>
-            </a:r>
-          </a:p>
-          <a:p>
-            <a:r>
-              <a:rPr lang="en-US" dirty="0" err="1"/>
-              <a:t>pil_img</a:t>
+              <a:rPr lang="en-IL" b="1" dirty="0"/>
+              <a:t>Fast:</a:t>
             </a:r>
             <a:r>
-              <a:rPr lang="en-US" dirty="0"/>
-              <a:t>= </a:t>
-            </a:r>
-            <a:r>
-              <a:rPr lang="en-US" dirty="0" err="1"/>
-              <a:t>PIL.Image.fromarray</a:t>
-            </a:r>
-            <a:r>
-              <a:rPr lang="en-US" dirty="0"/>
-              <a:t>(</a:t>
-            </a:r>
-            <a:r>
-              <a:rPr lang="en-US" dirty="0" err="1"/>
-              <a:t>img_data</a:t>
-            </a:r>
-            <a:r>
-              <a:rPr lang="en-US" dirty="0"/>
-              <a:t>)</a:t>
+              <a:rPr lang="en-IL" dirty="0"/>
+              <a:t> A[j:-1] = A[j+1:]</a:t>
             </a:r>
           </a:p>
           <a:p>
             <a:pPr lvl="1"/>
             <a:r>
-              <a:rPr lang="en-US" dirty="0"/>
-              <a:t>Convert from </a:t>
+              <a:rPr lang="en-IL" b="1" dirty="0"/>
+              <a:t>Slow:</a:t>
+            </a:r>
+            <a:r>
+              <a:rPr lang="en-IL" dirty="0"/>
+              <a:t> Equivilant to: </a:t>
+            </a:r>
+            <a:br>
+              <a:rPr lang="en-IL" dirty="0"/>
+            </a:br>
+            <a:r>
+              <a:rPr lang="en-IL" dirty="0"/>
+              <a:t>for </a:t>
             </a:r>
             <a:r>
               <a:rPr lang="en-US" dirty="0" err="1"/>
-              <a:t>numpy</a:t>
+              <a:t>idx</a:t>
             </a:r>
             <a:r>
               <a:rPr lang="en-US" dirty="0"/>
-              <a:t> to PIL</a:t>
+              <a:t> in range(j, </a:t>
+            </a:r>
+            <a:r>
+              <a:rPr lang="en-US" dirty="0" err="1"/>
+              <a:t>A.shape</a:t>
+            </a:r>
+            <a:r>
+              <a:rPr lang="en-US" dirty="0"/>
+              <a:t>[0]-1):</a:t>
             </a:r>
           </a:p>
           <a:p>
+            <a:pPr lvl="2"/>
+            <a:r>
+              <a:rPr lang="en-US" dirty="0"/>
+              <a:t>A[</a:t>
+            </a:r>
             <a:r>
               <a:rPr lang="en-US" dirty="0" err="1"/>
-              <a:t>pil_img.save</a:t>
+              <a:t>idx</a:t>
             </a:r>
             <a:r>
               <a:rPr lang="en-US" dirty="0"/>
-              <a:t>(path)</a:t>
+              <a:t>] = A[idx+1</a:t>
+            </a:r>
+            <a:r>
+              <a:rPr lang="en-IL" dirty="0"/>
+              <a:t>]</a:t>
             </a:r>
           </a:p>
           <a:p>
             <a:pPr lvl="1"/>
             <a:r>
-              <a:rPr lang="en-US" dirty="0"/>
-              <a:t>Save image using pillow</a:t>
+              <a:rPr lang="en-IL" dirty="0"/>
+              <a:t>Example, A=[1,2,3,4,5,6], j=2, then the array becomes: [1,2,4,5,6,6]</a:t>
             </a:r>
+          </a:p>
+          <a:p>
+            <a:pPr lvl="1"/>
             <a:endParaRPr lang="en-IL" dirty="0"/>
+          </a:p>
+          <a:p>
+            <a:r>
+              <a:rPr lang="en-IL" dirty="0"/>
+              <a:t>Works for 2D arrays as well (images):</a:t>
+            </a:r>
+          </a:p>
+          <a:p>
+            <a:pPr lvl="1"/>
+            <a:r>
+              <a:rPr lang="en-IL" dirty="0"/>
+              <a:t>A[:, j:-1] = A[:, j+1:] # Along axis=1, i.e. width</a:t>
+            </a:r>
+          </a:p>
+          <a:p>
+            <a:pPr lvl="1"/>
+            <a:r>
+              <a:rPr lang="en-IL" dirty="0"/>
+              <a:t>A[j:-1, :] = A[ j+1:, :] # Along axis=0, i.e. height</a:t>
+            </a:r>
+          </a:p>
+          <a:p>
+            <a:pPr lvl="1"/>
+            <a:endParaRPr lang="en-US" dirty="0"/>
           </a:p>
         </p:txBody>
       </p:sp>
     </p:spTree>
     <p:extLst>
       <p:ext uri="{BB962C8B-B14F-4D97-AF65-F5344CB8AC3E}">
-        <p14:creationId xmlns:p14="http://schemas.microsoft.com/office/powerpoint/2010/main" val="2364184636"/>
+        <p14:creationId xmlns:p14="http://schemas.microsoft.com/office/powerpoint/2010/main" val="1148658256"/>
       </p:ext>
     </p:extLst>
   </p:cSld>
   <p:clrMapOvr>
     <a:masterClrMapping/>
   </p:clrMapOvr>
-  <p:timing>
-    <p:tnLst>
-      <p:par>
-        <p:cTn id="1" dur="indefinite" restart="never" nodeType="tmRoot">
-          <p:childTnLst>
-            <p:seq concurrent="1" nextAc="seek">
-              <p:cTn id="2" dur="indefinite" nodeType="mainSeq">
-                <p:childTnLst>
-                  <p:par>
-                    <p:cTn id="3" fill="hold">
-                      <p:stCondLst>
-                        <p:cond delay="indefinite"/>
-                      </p:stCondLst>
-                      <p:childTnLst>
-                        <p:par>
-                          <p:cTn id="4" fill="hold">
-                            <p:stCondLst>
-                              <p:cond delay="0"/>
-                            </p:stCondLst>
-                            <p:childTnLst>
-                              <p:par>
-                                <p:cTn id="5" presetID="1" presetClass="entr" presetSubtype="0" fill="hold" grpId="0" nodeType="clickEffect">
-                                  <p:stCondLst>
-                                    <p:cond delay="0"/>
-                                  </p:stCondLst>
-                                  <p:childTnLst>
-                                    <p:set>
-                                      <p:cBhvr>
-                                        <p:cTn id="6" dur="1" fill="hold">
-                                          <p:stCondLst>
-                                            <p:cond delay="0"/>
-                                          </p:stCondLst>
-                                        </p:cTn>
-                                        <p:tgtEl>
-                                          <p:spTgt spid="5">
-                                            <p:txEl>
-                                              <p:pRg st="0" end="0"/>
-                                            </p:txEl>
-                                          </p:spTgt>
-                                        </p:tgtEl>
-                                        <p:attrNameLst>
-                                          <p:attrName>style.visibility</p:attrName>
-                                        </p:attrNameLst>
-                                      </p:cBhvr>
-                                      <p:to>
-                                        <p:strVal val="visible"/>
-                                      </p:to>
-                                    </p:set>
-                                  </p:childTnLst>
-                                </p:cTn>
-                              </p:par>
-                              <p:par>
-                                <p:cTn id="7" presetID="1" presetClass="entr" presetSubtype="0" fill="hold" grpId="0" nodeType="withEffect">
-                                  <p:stCondLst>
-                                    <p:cond delay="0"/>
-                                  </p:stCondLst>
-                                  <p:childTnLst>
-                                    <p:set>
-                                      <p:cBhvr>
-                                        <p:cTn id="8" dur="1" fill="hold">
-                                          <p:stCondLst>
-                                            <p:cond delay="0"/>
-                                          </p:stCondLst>
-                                        </p:cTn>
-                                        <p:tgtEl>
-                                          <p:spTgt spid="5">
-                                            <p:txEl>
-                                              <p:pRg st="1" end="1"/>
-                                            </p:txEl>
-                                          </p:spTgt>
-                                        </p:tgtEl>
-                                        <p:attrNameLst>
-                                          <p:attrName>style.visibility</p:attrName>
-                                        </p:attrNameLst>
-                                      </p:cBhvr>
-                                      <p:to>
-                                        <p:strVal val="visible"/>
-                                      </p:to>
-                                    </p:set>
-                                  </p:childTnLst>
-                                </p:cTn>
-                              </p:par>
-                            </p:childTnLst>
-                          </p:cTn>
-                        </p:par>
-                      </p:childTnLst>
-                    </p:cTn>
-                  </p:par>
-                  <p:par>
-                    <p:cTn id="9" fill="hold">
-                      <p:stCondLst>
-                        <p:cond delay="indefinite"/>
-                      </p:stCondLst>
-                      <p:childTnLst>
-                        <p:par>
-                          <p:cTn id="10" fill="hold">
-                            <p:stCondLst>
-                              <p:cond delay="0"/>
-                            </p:stCondLst>
-                            <p:childTnLst>
-                              <p:par>
-                                <p:cTn id="11" presetID="1" presetClass="entr" presetSubtype="0" fill="hold" grpId="0" nodeType="clickEffect">
-                                  <p:stCondLst>
-                                    <p:cond delay="0"/>
-                                  </p:stCondLst>
-                                  <p:childTnLst>
-                                    <p:set>
-                                      <p:cBhvr>
-                                        <p:cTn id="12" dur="1" fill="hold">
-                                          <p:stCondLst>
-                                            <p:cond delay="0"/>
-                                          </p:stCondLst>
-                                        </p:cTn>
-                                        <p:tgtEl>
-                                          <p:spTgt spid="5">
-                                            <p:txEl>
-                                              <p:pRg st="2" end="2"/>
-                                            </p:txEl>
-                                          </p:spTgt>
-                                        </p:tgtEl>
-                                        <p:attrNameLst>
-                                          <p:attrName>style.visibility</p:attrName>
-                                        </p:attrNameLst>
-                                      </p:cBhvr>
-                                      <p:to>
-                                        <p:strVal val="visible"/>
-                                      </p:to>
-                                    </p:set>
-                                  </p:childTnLst>
-                                </p:cTn>
-                              </p:par>
-                              <p:par>
-                                <p:cTn id="13" presetID="1" presetClass="entr" presetSubtype="0" fill="hold" grpId="0" nodeType="withEffect">
-                                  <p:stCondLst>
-                                    <p:cond delay="0"/>
-                                  </p:stCondLst>
-                                  <p:childTnLst>
-                                    <p:set>
-                                      <p:cBhvr>
-                                        <p:cTn id="14" dur="1" fill="hold">
-                                          <p:stCondLst>
-                                            <p:cond delay="0"/>
-                                          </p:stCondLst>
-                                        </p:cTn>
-                                        <p:tgtEl>
-                                          <p:spTgt spid="5">
-                                            <p:txEl>
-                                              <p:pRg st="3" end="3"/>
-                                            </p:txEl>
-                                          </p:spTgt>
-                                        </p:tgtEl>
-                                        <p:attrNameLst>
-                                          <p:attrName>style.visibility</p:attrName>
-                                        </p:attrNameLst>
-                                      </p:cBhvr>
-                                      <p:to>
-                                        <p:strVal val="visible"/>
-                                      </p:to>
-                                    </p:set>
-                                  </p:childTnLst>
-                                </p:cTn>
-                              </p:par>
-                            </p:childTnLst>
-                          </p:cTn>
-                        </p:par>
-                      </p:childTnLst>
-                    </p:cTn>
-                  </p:par>
-                  <p:par>
-                    <p:cTn id="15" fill="hold">
-                      <p:stCondLst>
-                        <p:cond delay="indefinite"/>
-                      </p:stCondLst>
-                      <p:childTnLst>
-                        <p:par>
-                          <p:cTn id="16" fill="hold">
-                            <p:stCondLst>
-                              <p:cond delay="0"/>
-                            </p:stCondLst>
-                            <p:childTnLst>
-                              <p:par>
-                                <p:cTn id="17" presetID="1" presetClass="entr" presetSubtype="0" fill="hold" grpId="0" nodeType="clickEffect">
-                                  <p:stCondLst>
-                                    <p:cond delay="0"/>
-                                  </p:stCondLst>
-                                  <p:childTnLst>
-                                    <p:set>
-                                      <p:cBhvr>
-                                        <p:cTn id="18" dur="1" fill="hold">
-                                          <p:stCondLst>
-                                            <p:cond delay="0"/>
-                                          </p:stCondLst>
-                                        </p:cTn>
-                                        <p:tgtEl>
-                                          <p:spTgt spid="5">
-                                            <p:txEl>
-                                              <p:pRg st="4" end="4"/>
-                                            </p:txEl>
-                                          </p:spTgt>
-                                        </p:tgtEl>
-                                        <p:attrNameLst>
-                                          <p:attrName>style.visibility</p:attrName>
-                                        </p:attrNameLst>
-                                      </p:cBhvr>
-                                      <p:to>
-                                        <p:strVal val="visible"/>
-                                      </p:to>
-                                    </p:set>
-                                  </p:childTnLst>
-                                </p:cTn>
-                              </p:par>
-                              <p:par>
-                                <p:cTn id="19" presetID="1" presetClass="entr" presetSubtype="0" fill="hold" grpId="0" nodeType="withEffect">
-                                  <p:stCondLst>
-                                    <p:cond delay="0"/>
-                                  </p:stCondLst>
-                                  <p:childTnLst>
-                                    <p:set>
-                                      <p:cBhvr>
-                                        <p:cTn id="20" dur="1" fill="hold">
-                                          <p:stCondLst>
-                                            <p:cond delay="0"/>
-                                          </p:stCondLst>
-                                        </p:cTn>
-                                        <p:tgtEl>
-                                          <p:spTgt spid="5">
-                                            <p:txEl>
-                                              <p:pRg st="5" end="5"/>
-                                            </p:txEl>
-                                          </p:spTgt>
-                                        </p:tgtEl>
-                                        <p:attrNameLst>
-                                          <p:attrName>style.visibility</p:attrName>
-                                        </p:attrNameLst>
-                                      </p:cBhvr>
-                                      <p:to>
-                                        <p:strVal val="visible"/>
-                                      </p:to>
-                                    </p:set>
-                                  </p:childTnLst>
-                                </p:cTn>
-                              </p:par>
-                            </p:childTnLst>
-                          </p:cTn>
-                        </p:par>
-                      </p:childTnLst>
-                    </p:cTn>
-                  </p:par>
-                </p:childTnLst>
-              </p:cTn>
-              <p:prevCondLst>
-                <p:cond evt="onPrev" delay="0">
-                  <p:tgtEl>
-                    <p:sldTgt/>
-                  </p:tgtEl>
-                </p:cond>
-              </p:prevCondLst>
-              <p:nextCondLst>
-                <p:cond evt="onNext" delay="0">
-                  <p:tgtEl>
-                    <p:sldTgt/>
-                  </p:tgtEl>
-                </p:cond>
-              </p:nextCondLst>
-            </p:seq>
-          </p:childTnLst>
-        </p:cTn>
-      </p:par>
-    </p:tnLst>
-    <p:bldLst>
-      <p:bldP spid="5" grpId="0" build="p"/>
-    </p:bldLst>
-  </p:timing>
 </p:sld>
 </file>
 
@@ -17123,12 +16965,18 @@
       </p:grpSpPr>
       <p:sp>
         <p:nvSpPr>
-          <p:cNvPr id="2" name="Title 1"/>
+          <p:cNvPr id="2" name="Title 1">
+            <a:extLst>
+              <a:ext uri="{FF2B5EF4-FFF2-40B4-BE49-F238E27FC236}">
+                <a16:creationId xmlns:a16="http://schemas.microsoft.com/office/drawing/2014/main" id="{D0D0D8AB-0AF9-3C49-B79E-BE0EE96D1B2F}"/>
+              </a:ext>
+            </a:extLst>
+          </p:cNvPr>
           <p:cNvSpPr>
             <a:spLocks noGrp="1"/>
           </p:cNvSpPr>
           <p:nvPr>
-            <p:ph type="ctrTitle"/>
+            <p:ph type="title"/>
           </p:nvPr>
         </p:nvSpPr>
         <p:spPr/>
@@ -17137,31 +16985,477 @@
           <a:lstStyle/>
           <a:p>
             <a:r>
-              <a:rPr lang="en-US" sz="4800" dirty="0"/>
-              <a:t>Exercise 1:</a:t>
+              <a:rPr lang="en-IL" sz="3600" dirty="0"/>
+              <a:t>Working with images</a:t>
+            </a:r>
+            <a:endParaRPr lang="en-IL" dirty="0"/>
+          </a:p>
+        </p:txBody>
+      </p:sp>
+      <p:sp>
+        <p:nvSpPr>
+          <p:cNvPr id="3" name="Content Placeholder 2">
+            <a:extLst>
+              <a:ext uri="{FF2B5EF4-FFF2-40B4-BE49-F238E27FC236}">
+                <a16:creationId xmlns:a16="http://schemas.microsoft.com/office/drawing/2014/main" id="{BCD22213-6F20-054D-BF5A-040F8B5933B1}"/>
+              </a:ext>
+            </a:extLst>
+          </p:cNvPr>
+          <p:cNvSpPr>
+            <a:spLocks noGrp="1"/>
+          </p:cNvSpPr>
+          <p:nvPr>
+            <p:ph idx="1"/>
+          </p:nvPr>
+        </p:nvSpPr>
+        <p:spPr/>
+        <p:txBody>
+          <a:bodyPr/>
+          <a:lstStyle/>
+          <a:p>
+            <a:r>
+              <a:rPr lang="en-IL" dirty="0"/>
+              <a:t>Let us try to calculate  the difference between the left and right neighbor of a pixel (i,j):</a:t>
+            </a:r>
+          </a:p>
+          <a:p>
+            <a:pPr lvl="1"/>
+            <a:r>
+              <a:rPr lang="en-IL" dirty="0"/>
+              <a:t>Output[i,j] = |A[i,j-1] – A[i,j+1]|</a:t>
+            </a:r>
+          </a:p>
+          <a:p>
+            <a:pPr lvl="1"/>
+            <a:r>
+              <a:rPr lang="en-IL" dirty="0"/>
+              <a:t>If an elemnt is out of boundry just set to zero.</a:t>
+            </a:r>
+          </a:p>
+          <a:p>
+            <a:r>
+              <a:rPr lang="en-IL" dirty="0"/>
+              <a:t>Option 1 (very slow):</a:t>
+            </a:r>
+          </a:p>
+          <a:p>
+            <a:pPr lvl="1"/>
+            <a:r>
+              <a:rPr lang="en-IL" dirty="0"/>
+              <a:t>for i in range(A.shape[0]): #i = 0…, H-1</a:t>
             </a:r>
             <a:br>
-              <a:rPr lang="en-US" dirty="0"/>
+              <a:rPr lang="en-IL" dirty="0"/>
             </a:br>
             <a:r>
-              <a:rPr lang="en-US" dirty="0"/>
-              <a:t>Any other questions?</a:t>
+              <a:rPr lang="en-IL" dirty="0"/>
+              <a:t>    for j in range(A.shape[1]): #j = 0,…,W-1</a:t>
             </a:r>
             <a:br>
-              <a:rPr lang="en-US" dirty="0"/>
+              <a:rPr lang="en-IL" dirty="0"/>
             </a:br>
             <a:r>
-              <a:rPr lang="en-US" sz="2000" dirty="0" err="1"/>
-              <a:t>moabarar@mail.tau.ac.il</a:t>
+              <a:rPr lang="en-IL" dirty="0"/>
+              <a:t>        left = 0 if j == 0 else A[i,j-1]</a:t>
             </a:r>
-            <a:endParaRPr lang="en-US" dirty="0"/>
+            <a:br>
+              <a:rPr lang="en-IL" dirty="0"/>
+            </a:br>
+            <a:r>
+              <a:rPr lang="en-IL" dirty="0"/>
+              <a:t>        right = 0 if j == A.shape[1] -1 else A[i,j+1]</a:t>
+            </a:r>
+            <a:br>
+              <a:rPr lang="en-IL" dirty="0"/>
+            </a:br>
+            <a:r>
+              <a:rPr lang="en-IL" dirty="0"/>
+              <a:t>        Output[</a:t>
+            </a:r>
+            <a:r>
+              <a:rPr lang="en-US" dirty="0"/>
+              <a:t>I</a:t>
+            </a:r>
+            <a:r>
+              <a:rPr lang="en-IL" dirty="0"/>
+              <a:t>,j] = abs(A[i,j-1] – A[i,j+1])</a:t>
+            </a:r>
+          </a:p>
+          <a:p>
+            <a:pPr marL="0" indent="0">
+              <a:buNone/>
+            </a:pPr>
+            <a:endParaRPr lang="en-IL" dirty="0"/>
           </a:p>
         </p:txBody>
       </p:sp>
     </p:spTree>
     <p:extLst>
       <p:ext uri="{BB962C8B-B14F-4D97-AF65-F5344CB8AC3E}">
-        <p14:creationId xmlns:p14="http://schemas.microsoft.com/office/powerpoint/2010/main" val="1114664319"/>
+        <p14:creationId xmlns:p14="http://schemas.microsoft.com/office/powerpoint/2010/main" val="4292999292"/>
+      </p:ext>
+    </p:extLst>
+  </p:cSld>
+  <p:clrMapOvr>
+    <a:masterClrMapping/>
+  </p:clrMapOvr>
+</p:sld>
+</file>
+
+<file path=ppt/slides/slide19.xml><?xml version="1.0" encoding="utf-8"?>
+<p:sld xmlns:a="http://schemas.openxmlformats.org/drawingml/2006/main" xmlns:r="http://schemas.openxmlformats.org/officeDocument/2006/relationships" xmlns:p="http://schemas.openxmlformats.org/presentationml/2006/main">
+  <p:cSld>
+    <p:spTree>
+      <p:nvGrpSpPr>
+        <p:cNvPr id="1" name=""/>
+        <p:cNvGrpSpPr/>
+        <p:nvPr/>
+      </p:nvGrpSpPr>
+      <p:grpSpPr>
+        <a:xfrm>
+          <a:off x="0" y="0"/>
+          <a:ext cx="0" cy="0"/>
+          <a:chOff x="0" y="0"/>
+          <a:chExt cx="0" cy="0"/>
+        </a:xfrm>
+      </p:grpSpPr>
+      <p:sp>
+        <p:nvSpPr>
+          <p:cNvPr id="2" name="Title 1">
+            <a:extLst>
+              <a:ext uri="{FF2B5EF4-FFF2-40B4-BE49-F238E27FC236}">
+                <a16:creationId xmlns:a16="http://schemas.microsoft.com/office/drawing/2014/main" id="{D0D0D8AB-0AF9-3C49-B79E-BE0EE96D1B2F}"/>
+              </a:ext>
+            </a:extLst>
+          </p:cNvPr>
+          <p:cNvSpPr>
+            <a:spLocks noGrp="1"/>
+          </p:cNvSpPr>
+          <p:nvPr>
+            <p:ph type="title"/>
+          </p:nvPr>
+        </p:nvSpPr>
+        <p:spPr/>
+        <p:txBody>
+          <a:bodyPr/>
+          <a:lstStyle/>
+          <a:p>
+            <a:r>
+              <a:rPr lang="en-IL" sz="3600" dirty="0"/>
+              <a:t>Working with images</a:t>
+            </a:r>
+            <a:endParaRPr lang="en-IL" dirty="0"/>
+          </a:p>
+        </p:txBody>
+      </p:sp>
+      <p:sp>
+        <p:nvSpPr>
+          <p:cNvPr id="3" name="Content Placeholder 2">
+            <a:extLst>
+              <a:ext uri="{FF2B5EF4-FFF2-40B4-BE49-F238E27FC236}">
+                <a16:creationId xmlns:a16="http://schemas.microsoft.com/office/drawing/2014/main" id="{BCD22213-6F20-054D-BF5A-040F8B5933B1}"/>
+              </a:ext>
+            </a:extLst>
+          </p:cNvPr>
+          <p:cNvSpPr>
+            <a:spLocks noGrp="1"/>
+          </p:cNvSpPr>
+          <p:nvPr>
+            <p:ph idx="1"/>
+          </p:nvPr>
+        </p:nvSpPr>
+        <p:spPr/>
+        <p:txBody>
+          <a:bodyPr/>
+          <a:lstStyle/>
+          <a:p>
+            <a:r>
+              <a:rPr lang="en-IL" dirty="0"/>
+              <a:t>Let us try to calculate  the difference between the left and right neighbor of a pixel (i,j):</a:t>
+            </a:r>
+          </a:p>
+          <a:p>
+            <a:pPr lvl="1"/>
+            <a:r>
+              <a:rPr lang="en-IL" dirty="0"/>
+              <a:t>Output[i,j] = |A[i,j-1] – A[i,j+1]|</a:t>
+            </a:r>
+          </a:p>
+          <a:p>
+            <a:pPr lvl="1"/>
+            <a:r>
+              <a:rPr lang="en-IL" dirty="0"/>
+              <a:t>If an elemnt is out of boundry just set to zero.</a:t>
+            </a:r>
+          </a:p>
+          <a:p>
+            <a:r>
+              <a:rPr lang="en-IL" dirty="0"/>
+              <a:t>Option 2 (using np.roll) - Faster:</a:t>
+            </a:r>
+          </a:p>
+          <a:p>
+            <a:pPr lvl="1"/>
+            <a:endParaRPr lang="en-IL" dirty="0"/>
+          </a:p>
+        </p:txBody>
+      </p:sp>
+      <p:pic>
+        <p:nvPicPr>
+          <p:cNvPr id="5" name="Picture 4">
+            <a:extLst>
+              <a:ext uri="{FF2B5EF4-FFF2-40B4-BE49-F238E27FC236}">
+                <a16:creationId xmlns:a16="http://schemas.microsoft.com/office/drawing/2014/main" id="{A2060ACB-72EB-6242-AE1B-E5C08B0C4159}"/>
+              </a:ext>
+            </a:extLst>
+          </p:cNvPr>
+          <p:cNvPicPr>
+            <a:picLocks noChangeAspect="1"/>
+          </p:cNvPicPr>
+          <p:nvPr/>
+        </p:nvPicPr>
+        <p:blipFill rotWithShape="1">
+          <a:blip r:embed="rId2"/>
+          <a:srcRect l="6045" t="24000" r="65240"/>
+          <a:stretch/>
+        </p:blipFill>
+        <p:spPr>
+          <a:xfrm>
+            <a:off x="762000" y="4406418"/>
+            <a:ext cx="1447800" cy="1447800"/>
+          </a:xfrm>
+          <a:prstGeom prst="rect">
+            <a:avLst/>
+          </a:prstGeom>
+        </p:spPr>
+      </p:pic>
+      <p:pic>
+        <p:nvPicPr>
+          <p:cNvPr id="6" name="Picture 5">
+            <a:extLst>
+              <a:ext uri="{FF2B5EF4-FFF2-40B4-BE49-F238E27FC236}">
+                <a16:creationId xmlns:a16="http://schemas.microsoft.com/office/drawing/2014/main" id="{F84816D4-22C6-6B49-BAC8-9A75896F7D7F}"/>
+              </a:ext>
+            </a:extLst>
+          </p:cNvPr>
+          <p:cNvPicPr>
+            <a:picLocks noChangeAspect="1"/>
+          </p:cNvPicPr>
+          <p:nvPr/>
+        </p:nvPicPr>
+        <p:blipFill>
+          <a:blip r:embed="rId3"/>
+          <a:stretch>
+            <a:fillRect/>
+          </a:stretch>
+        </p:blipFill>
+        <p:spPr>
+          <a:xfrm>
+            <a:off x="4538241" y="3365500"/>
+            <a:ext cx="3632200" cy="1663700"/>
+          </a:xfrm>
+          <a:prstGeom prst="rect">
+            <a:avLst/>
+          </a:prstGeom>
+        </p:spPr>
+      </p:pic>
+      <p:pic>
+        <p:nvPicPr>
+          <p:cNvPr id="7" name="Picture 6">
+            <a:extLst>
+              <a:ext uri="{FF2B5EF4-FFF2-40B4-BE49-F238E27FC236}">
+                <a16:creationId xmlns:a16="http://schemas.microsoft.com/office/drawing/2014/main" id="{496F2A2A-8E16-4D46-8D00-33D323372B09}"/>
+              </a:ext>
+            </a:extLst>
+          </p:cNvPr>
+          <p:cNvPicPr>
+            <a:picLocks noChangeAspect="1"/>
+          </p:cNvPicPr>
+          <p:nvPr/>
+        </p:nvPicPr>
+        <p:blipFill>
+          <a:blip r:embed="rId4"/>
+          <a:stretch>
+            <a:fillRect/>
+          </a:stretch>
+        </p:blipFill>
+        <p:spPr>
+          <a:xfrm>
+            <a:off x="4495800" y="5105400"/>
+            <a:ext cx="3581400" cy="1536700"/>
+          </a:xfrm>
+          <a:prstGeom prst="rect">
+            <a:avLst/>
+          </a:prstGeom>
+        </p:spPr>
+      </p:pic>
+      <p:cxnSp>
+        <p:nvCxnSpPr>
+          <p:cNvPr id="9" name="Straight Arrow Connector 8">
+            <a:extLst>
+              <a:ext uri="{FF2B5EF4-FFF2-40B4-BE49-F238E27FC236}">
+                <a16:creationId xmlns:a16="http://schemas.microsoft.com/office/drawing/2014/main" id="{25146BD0-561C-0D4C-8DFF-9C6ADE12D0DB}"/>
+              </a:ext>
+            </a:extLst>
+          </p:cNvPr>
+          <p:cNvCxnSpPr>
+            <a:stCxn id="5" idx="3"/>
+            <a:endCxn id="6" idx="1"/>
+          </p:cNvCxnSpPr>
+          <p:nvPr/>
+        </p:nvCxnSpPr>
+        <p:spPr>
+          <a:xfrm flipV="1">
+            <a:off x="2209800" y="4197350"/>
+            <a:ext cx="2328441" cy="932968"/>
+          </a:xfrm>
+          <a:prstGeom prst="straightConnector1">
+            <a:avLst/>
+          </a:prstGeom>
+          <a:ln>
+            <a:tailEnd type="triangle"/>
+          </a:ln>
+        </p:spPr>
+        <p:style>
+          <a:lnRef idx="1">
+            <a:schemeClr val="accent1"/>
+          </a:lnRef>
+          <a:fillRef idx="0">
+            <a:schemeClr val="accent1"/>
+          </a:fillRef>
+          <a:effectRef idx="0">
+            <a:schemeClr val="accent1"/>
+          </a:effectRef>
+          <a:fontRef idx="minor">
+            <a:schemeClr val="tx1"/>
+          </a:fontRef>
+        </p:style>
+      </p:cxnSp>
+      <p:cxnSp>
+        <p:nvCxnSpPr>
+          <p:cNvPr id="10" name="Straight Arrow Connector 9">
+            <a:extLst>
+              <a:ext uri="{FF2B5EF4-FFF2-40B4-BE49-F238E27FC236}">
+                <a16:creationId xmlns:a16="http://schemas.microsoft.com/office/drawing/2014/main" id="{2B9FB275-E281-D04F-8988-6BA2916CA435}"/>
+              </a:ext>
+            </a:extLst>
+          </p:cNvPr>
+          <p:cNvCxnSpPr>
+            <a:cxnSpLocks/>
+            <a:stCxn id="5" idx="3"/>
+            <a:endCxn id="7" idx="1"/>
+          </p:cNvCxnSpPr>
+          <p:nvPr/>
+        </p:nvCxnSpPr>
+        <p:spPr>
+          <a:xfrm>
+            <a:off x="2209800" y="5130318"/>
+            <a:ext cx="2286000" cy="743432"/>
+          </a:xfrm>
+          <a:prstGeom prst="straightConnector1">
+            <a:avLst/>
+          </a:prstGeom>
+          <a:ln>
+            <a:tailEnd type="triangle"/>
+          </a:ln>
+        </p:spPr>
+        <p:style>
+          <a:lnRef idx="1">
+            <a:schemeClr val="accent1"/>
+          </a:lnRef>
+          <a:fillRef idx="0">
+            <a:schemeClr val="accent1"/>
+          </a:fillRef>
+          <a:effectRef idx="0">
+            <a:schemeClr val="accent1"/>
+          </a:effectRef>
+          <a:fontRef idx="minor">
+            <a:schemeClr val="tx1"/>
+          </a:fontRef>
+        </p:style>
+      </p:cxnSp>
+      <p:sp>
+        <p:nvSpPr>
+          <p:cNvPr id="13" name="TextBox 12">
+            <a:extLst>
+              <a:ext uri="{FF2B5EF4-FFF2-40B4-BE49-F238E27FC236}">
+                <a16:creationId xmlns:a16="http://schemas.microsoft.com/office/drawing/2014/main" id="{A86A4A2A-845F-2D4A-9428-EE5C78B157B3}"/>
+              </a:ext>
+            </a:extLst>
+          </p:cNvPr>
+          <p:cNvSpPr txBox="1"/>
+          <p:nvPr/>
+        </p:nvSpPr>
+        <p:spPr>
+          <a:xfrm rot="20088284">
+            <a:off x="2537089" y="4204010"/>
+            <a:ext cx="1693156" cy="369332"/>
+          </a:xfrm>
+          <a:prstGeom prst="rect">
+            <a:avLst/>
+          </a:prstGeom>
+          <a:noFill/>
+        </p:spPr>
+        <p:txBody>
+          <a:bodyPr wrap="none" rtlCol="0">
+            <a:spAutoFit/>
+          </a:bodyPr>
+          <a:lstStyle/>
+          <a:p>
+            <a:r>
+              <a:rPr lang="en-US" dirty="0"/>
+              <a:t>R</a:t>
+            </a:r>
+            <a:r>
+              <a:rPr lang="en-IL" dirty="0"/>
+              <a:t>oll along width</a:t>
+            </a:r>
+          </a:p>
+        </p:txBody>
+      </p:sp>
+      <p:sp>
+        <p:nvSpPr>
+          <p:cNvPr id="14" name="TextBox 13">
+            <a:extLst>
+              <a:ext uri="{FF2B5EF4-FFF2-40B4-BE49-F238E27FC236}">
+                <a16:creationId xmlns:a16="http://schemas.microsoft.com/office/drawing/2014/main" id="{B5A7F0DB-7457-3642-A451-A82D5E21EDE7}"/>
+              </a:ext>
+            </a:extLst>
+          </p:cNvPr>
+          <p:cNvSpPr txBox="1"/>
+          <p:nvPr/>
+        </p:nvSpPr>
+        <p:spPr>
+          <a:xfrm rot="1011445">
+            <a:off x="2485473" y="5527790"/>
+            <a:ext cx="1750351" cy="369332"/>
+          </a:xfrm>
+          <a:prstGeom prst="rect">
+            <a:avLst/>
+          </a:prstGeom>
+          <a:noFill/>
+        </p:spPr>
+        <p:txBody>
+          <a:bodyPr wrap="none" rtlCol="0">
+            <a:spAutoFit/>
+          </a:bodyPr>
+          <a:lstStyle/>
+          <a:p>
+            <a:r>
+              <a:rPr lang="en-US" dirty="0"/>
+              <a:t>R</a:t>
+            </a:r>
+            <a:r>
+              <a:rPr lang="en-IL" dirty="0"/>
+              <a:t>oll along height</a:t>
+            </a:r>
+          </a:p>
+        </p:txBody>
+      </p:sp>
+    </p:spTree>
+    <p:extLst>
+      <p:ext uri="{BB962C8B-B14F-4D97-AF65-F5344CB8AC3E}">
+        <p14:creationId xmlns:p14="http://schemas.microsoft.com/office/powerpoint/2010/main" val="2263007002"/>
       </p:ext>
     </p:extLst>
   </p:cSld>
@@ -17888,6 +18182,1039 @@
       <p:bldP spid="3" grpId="0" build="p"/>
     </p:bldLst>
   </p:timing>
+</p:sld>
+</file>
+
+<file path=ppt/slides/slide20.xml><?xml version="1.0" encoding="utf-8"?>
+<p:sld xmlns:a="http://schemas.openxmlformats.org/drawingml/2006/main" xmlns:r="http://schemas.openxmlformats.org/officeDocument/2006/relationships" xmlns:p="http://schemas.openxmlformats.org/presentationml/2006/main">
+  <p:cSld>
+    <p:spTree>
+      <p:nvGrpSpPr>
+        <p:cNvPr id="1" name=""/>
+        <p:cNvGrpSpPr/>
+        <p:nvPr/>
+      </p:nvGrpSpPr>
+      <p:grpSpPr>
+        <a:xfrm>
+          <a:off x="0" y="0"/>
+          <a:ext cx="0" cy="0"/>
+          <a:chOff x="0" y="0"/>
+          <a:chExt cx="0" cy="0"/>
+        </a:xfrm>
+      </p:grpSpPr>
+      <p:sp>
+        <p:nvSpPr>
+          <p:cNvPr id="2" name="Title 1">
+            <a:extLst>
+              <a:ext uri="{FF2B5EF4-FFF2-40B4-BE49-F238E27FC236}">
+                <a16:creationId xmlns:a16="http://schemas.microsoft.com/office/drawing/2014/main" id="{D0D0D8AB-0AF9-3C49-B79E-BE0EE96D1B2F}"/>
+              </a:ext>
+            </a:extLst>
+          </p:cNvPr>
+          <p:cNvSpPr>
+            <a:spLocks noGrp="1"/>
+          </p:cNvSpPr>
+          <p:nvPr>
+            <p:ph type="title"/>
+          </p:nvPr>
+        </p:nvSpPr>
+        <p:spPr/>
+        <p:txBody>
+          <a:bodyPr/>
+          <a:lstStyle/>
+          <a:p>
+            <a:r>
+              <a:rPr lang="en-IL" sz="3600" dirty="0"/>
+              <a:t>Working with images</a:t>
+            </a:r>
+            <a:endParaRPr lang="en-IL" dirty="0"/>
+          </a:p>
+        </p:txBody>
+      </p:sp>
+      <p:sp>
+        <p:nvSpPr>
+          <p:cNvPr id="3" name="Content Placeholder 2">
+            <a:extLst>
+              <a:ext uri="{FF2B5EF4-FFF2-40B4-BE49-F238E27FC236}">
+                <a16:creationId xmlns:a16="http://schemas.microsoft.com/office/drawing/2014/main" id="{BCD22213-6F20-054D-BF5A-040F8B5933B1}"/>
+              </a:ext>
+            </a:extLst>
+          </p:cNvPr>
+          <p:cNvSpPr>
+            <a:spLocks noGrp="1"/>
+          </p:cNvSpPr>
+          <p:nvPr>
+            <p:ph idx="1"/>
+          </p:nvPr>
+        </p:nvSpPr>
+        <p:spPr/>
+        <p:txBody>
+          <a:bodyPr/>
+          <a:lstStyle/>
+          <a:p>
+            <a:r>
+              <a:rPr lang="en-IL" dirty="0"/>
+              <a:t>Let us try to calculate  the difference between the left and right neighbor of a pixel (i,j):</a:t>
+            </a:r>
+          </a:p>
+          <a:p>
+            <a:pPr lvl="1"/>
+            <a:r>
+              <a:rPr lang="en-IL" dirty="0"/>
+              <a:t>Output[i,j] = |A[i,j-1] – A[i,j+1]|</a:t>
+            </a:r>
+          </a:p>
+          <a:p>
+            <a:pPr lvl="1"/>
+            <a:r>
+              <a:rPr lang="en-IL" dirty="0"/>
+              <a:t>If an elemnt is out of boundry just set to zero.</a:t>
+            </a:r>
+          </a:p>
+          <a:p>
+            <a:r>
+              <a:rPr lang="en-IL" dirty="0"/>
+              <a:t>Option 2 (using np.roll) – Faster:</a:t>
+            </a:r>
+          </a:p>
+          <a:p>
+            <a:pPr lvl="1"/>
+            <a:r>
+              <a:rPr lang="en-IL" dirty="0"/>
+              <a:t>left = np.roll(A, shift = 1, axis=1)</a:t>
+            </a:r>
+            <a:br>
+              <a:rPr lang="en-IL" dirty="0"/>
+            </a:br>
+            <a:r>
+              <a:rPr lang="en-IL" dirty="0"/>
+              <a:t>left[</a:t>
+            </a:r>
+            <a:r>
+              <a:rPr lang="en-US" dirty="0"/>
+              <a:t>:,0] = 0 # Zero the first column in array</a:t>
+            </a:r>
+            <a:br>
+              <a:rPr lang="en-US" dirty="0"/>
+            </a:br>
+            <a:r>
+              <a:rPr lang="en-US" dirty="0"/>
+              <a:t>### Now left[</a:t>
+            </a:r>
+            <a:r>
+              <a:rPr lang="en-US" dirty="0" err="1"/>
+              <a:t>i,j</a:t>
+            </a:r>
+            <a:r>
+              <a:rPr lang="en-US" dirty="0"/>
+              <a:t>] = A[i,j-1] if j &gt; 0 else 0</a:t>
+            </a:r>
+            <a:br>
+              <a:rPr lang="en-US" dirty="0"/>
+            </a:br>
+            <a:r>
+              <a:rPr lang="en-US" dirty="0"/>
+              <a:t>right = </a:t>
+            </a:r>
+            <a:r>
+              <a:rPr lang="en-US" dirty="0" err="1"/>
+              <a:t>np.roll</a:t>
+            </a:r>
+            <a:r>
+              <a:rPr lang="en-US" dirty="0"/>
+              <a:t>(A, shift = -1, axis=1)</a:t>
+            </a:r>
+            <a:br>
+              <a:rPr lang="en-US" dirty="0"/>
+            </a:br>
+            <a:r>
+              <a:rPr lang="en-US" dirty="0"/>
+              <a:t>right[:, -1] = 0 # Zero the last column in array</a:t>
+            </a:r>
+            <a:br>
+              <a:rPr lang="en-US" dirty="0"/>
+            </a:br>
+            <a:r>
+              <a:rPr lang="en-US" dirty="0"/>
+              <a:t>### Now right[</a:t>
+            </a:r>
+            <a:r>
+              <a:rPr lang="en-US" dirty="0" err="1"/>
+              <a:t>i,j</a:t>
+            </a:r>
+            <a:r>
+              <a:rPr lang="en-US" dirty="0"/>
+              <a:t>] = A[i,j+1] if j &lt; W-1 else 0</a:t>
+            </a:r>
+            <a:br>
+              <a:rPr lang="en-US" dirty="0"/>
+            </a:br>
+            <a:r>
+              <a:rPr lang="en-US" dirty="0"/>
+              <a:t>Output = </a:t>
+            </a:r>
+            <a:r>
+              <a:rPr lang="en-US" dirty="0" err="1"/>
+              <a:t>np.abs</a:t>
+            </a:r>
+            <a:r>
+              <a:rPr lang="en-US" dirty="0"/>
+              <a:t>(left-right)</a:t>
+            </a:r>
+            <a:endParaRPr lang="en-IL" dirty="0"/>
+          </a:p>
+          <a:p>
+            <a:pPr lvl="1"/>
+            <a:endParaRPr lang="en-IL" dirty="0"/>
+          </a:p>
+        </p:txBody>
+      </p:sp>
+    </p:spTree>
+    <p:extLst>
+      <p:ext uri="{BB962C8B-B14F-4D97-AF65-F5344CB8AC3E}">
+        <p14:creationId xmlns:p14="http://schemas.microsoft.com/office/powerpoint/2010/main" val="4092314355"/>
+      </p:ext>
+    </p:extLst>
+  </p:cSld>
+  <p:clrMapOvr>
+    <a:masterClrMapping/>
+  </p:clrMapOvr>
+</p:sld>
+</file>
+
+<file path=ppt/slides/slide21.xml><?xml version="1.0" encoding="utf-8"?>
+<p:sld xmlns:a="http://schemas.openxmlformats.org/drawingml/2006/main" xmlns:r="http://schemas.openxmlformats.org/officeDocument/2006/relationships" xmlns:p="http://schemas.openxmlformats.org/presentationml/2006/main">
+  <p:cSld>
+    <p:spTree>
+      <p:nvGrpSpPr>
+        <p:cNvPr id="1" name=""/>
+        <p:cNvGrpSpPr/>
+        <p:nvPr/>
+      </p:nvGrpSpPr>
+      <p:grpSpPr>
+        <a:xfrm>
+          <a:off x="0" y="0"/>
+          <a:ext cx="0" cy="0"/>
+          <a:chOff x="0" y="0"/>
+          <a:chExt cx="0" cy="0"/>
+        </a:xfrm>
+      </p:grpSpPr>
+      <p:sp>
+        <p:nvSpPr>
+          <p:cNvPr id="2" name="Title 1">
+            <a:extLst>
+              <a:ext uri="{FF2B5EF4-FFF2-40B4-BE49-F238E27FC236}">
+                <a16:creationId xmlns:a16="http://schemas.microsoft.com/office/drawing/2014/main" id="{D0D0D8AB-0AF9-3C49-B79E-BE0EE96D1B2F}"/>
+              </a:ext>
+            </a:extLst>
+          </p:cNvPr>
+          <p:cNvSpPr>
+            <a:spLocks noGrp="1"/>
+          </p:cNvSpPr>
+          <p:nvPr>
+            <p:ph type="title"/>
+          </p:nvPr>
+        </p:nvSpPr>
+        <p:spPr/>
+        <p:txBody>
+          <a:bodyPr/>
+          <a:lstStyle/>
+          <a:p>
+            <a:r>
+              <a:rPr lang="en-IL" sz="3600" dirty="0"/>
+              <a:t>Working with images</a:t>
+            </a:r>
+            <a:endParaRPr lang="en-IL" dirty="0"/>
+          </a:p>
+        </p:txBody>
+      </p:sp>
+      <p:sp>
+        <p:nvSpPr>
+          <p:cNvPr id="3" name="Content Placeholder 2">
+            <a:extLst>
+              <a:ext uri="{FF2B5EF4-FFF2-40B4-BE49-F238E27FC236}">
+                <a16:creationId xmlns:a16="http://schemas.microsoft.com/office/drawing/2014/main" id="{BCD22213-6F20-054D-BF5A-040F8B5933B1}"/>
+              </a:ext>
+            </a:extLst>
+          </p:cNvPr>
+          <p:cNvSpPr>
+            <a:spLocks noGrp="1"/>
+          </p:cNvSpPr>
+          <p:nvPr>
+            <p:ph idx="1"/>
+          </p:nvPr>
+        </p:nvSpPr>
+        <p:spPr/>
+        <p:txBody>
+          <a:bodyPr/>
+          <a:lstStyle/>
+          <a:p>
+            <a:r>
+              <a:rPr lang="en-IL" dirty="0"/>
+              <a:t>Let us try to calculate  the difference between the left and right neighbor of a pixel (i,j):</a:t>
+            </a:r>
+          </a:p>
+          <a:p>
+            <a:pPr lvl="1"/>
+            <a:r>
+              <a:rPr lang="en-IL" dirty="0"/>
+              <a:t>Output[i,j] = |A[i,j-1] – A[i,j+1]|</a:t>
+            </a:r>
+          </a:p>
+          <a:p>
+            <a:pPr lvl="1"/>
+            <a:r>
+              <a:rPr lang="en-IL" dirty="0"/>
+              <a:t>If an elemnt is out of boundry just set to zero.</a:t>
+            </a:r>
+          </a:p>
+          <a:p>
+            <a:r>
+              <a:rPr lang="en-IL" dirty="0"/>
+              <a:t>Option 3 (using np.concatenate – self read) – Fastest:</a:t>
+            </a:r>
+          </a:p>
+          <a:p>
+            <a:pPr lvl="1"/>
+            <a:r>
+              <a:rPr lang="en-US" dirty="0" err="1"/>
+              <a:t>zero_column</a:t>
+            </a:r>
+            <a:r>
+              <a:rPr lang="en-US" dirty="0"/>
+              <a:t> = </a:t>
+            </a:r>
+            <a:r>
+              <a:rPr lang="en-US" dirty="0" err="1"/>
+              <a:t>np.broadcast_to</a:t>
+            </a:r>
+            <a:r>
+              <a:rPr lang="en-US" dirty="0"/>
+              <a:t>([0.], [</a:t>
+            </a:r>
+            <a:r>
+              <a:rPr lang="en-US" dirty="0" err="1"/>
+              <a:t>A.shape</a:t>
+            </a:r>
+            <a:r>
+              <a:rPr lang="en-US" dirty="0"/>
+              <a:t>[1], 1])</a:t>
+            </a:r>
+            <a:br>
+              <a:rPr lang="en-US" dirty="0"/>
+            </a:br>
+            <a:r>
+              <a:rPr lang="en-US" dirty="0"/>
+              <a:t>left = </a:t>
+            </a:r>
+            <a:r>
+              <a:rPr lang="en-US" dirty="0" err="1"/>
+              <a:t>np.concatenate</a:t>
+            </a:r>
+            <a:r>
+              <a:rPr lang="en-US" dirty="0"/>
+              <a:t>([</a:t>
+            </a:r>
+            <a:r>
+              <a:rPr lang="en-US" dirty="0" err="1"/>
+              <a:t>zero_column</a:t>
+            </a:r>
+            <a:r>
+              <a:rPr lang="en-US" dirty="0"/>
+              <a:t>, A[:, 0:-1]], axis=1)</a:t>
+            </a:r>
+            <a:br>
+              <a:rPr lang="en-US" dirty="0"/>
+            </a:br>
+            <a:r>
+              <a:rPr lang="en-US" dirty="0"/>
+              <a:t>right = </a:t>
+            </a:r>
+            <a:r>
+              <a:rPr lang="en-US" dirty="0" err="1"/>
+              <a:t>np.concatenate</a:t>
+            </a:r>
+            <a:r>
+              <a:rPr lang="en-US" dirty="0"/>
+              <a:t>([A[:, 1:], </a:t>
+            </a:r>
+            <a:r>
+              <a:rPr lang="en-US" dirty="0" err="1"/>
+              <a:t>zero_column</a:t>
+            </a:r>
+            <a:r>
+              <a:rPr lang="en-US" dirty="0"/>
+              <a:t>], axis=1)</a:t>
+            </a:r>
+            <a:br>
+              <a:rPr lang="en-US" dirty="0"/>
+            </a:br>
+            <a:r>
+              <a:rPr lang="en-US" dirty="0"/>
+              <a:t>output = </a:t>
+            </a:r>
+            <a:r>
+              <a:rPr lang="en-US" dirty="0" err="1"/>
+              <a:t>np.abs</a:t>
+            </a:r>
+            <a:r>
+              <a:rPr lang="en-US" dirty="0"/>
+              <a:t>(left-right)</a:t>
+            </a:r>
+            <a:endParaRPr lang="en-IL" dirty="0"/>
+          </a:p>
+        </p:txBody>
+      </p:sp>
+    </p:spTree>
+    <p:extLst>
+      <p:ext uri="{BB962C8B-B14F-4D97-AF65-F5344CB8AC3E}">
+        <p14:creationId xmlns:p14="http://schemas.microsoft.com/office/powerpoint/2010/main" val="3891885282"/>
+      </p:ext>
+    </p:extLst>
+  </p:cSld>
+  <p:clrMapOvr>
+    <a:masterClrMapping/>
+  </p:clrMapOvr>
+</p:sld>
+</file>
+
+<file path=ppt/slides/slide22.xml><?xml version="1.0" encoding="utf-8"?>
+<p:sld xmlns:a="http://schemas.openxmlformats.org/drawingml/2006/main" xmlns:r="http://schemas.openxmlformats.org/officeDocument/2006/relationships" xmlns:p="http://schemas.openxmlformats.org/presentationml/2006/main">
+  <p:cSld>
+    <p:spTree>
+      <p:nvGrpSpPr>
+        <p:cNvPr id="1" name=""/>
+        <p:cNvGrpSpPr/>
+        <p:nvPr/>
+      </p:nvGrpSpPr>
+      <p:grpSpPr>
+        <a:xfrm>
+          <a:off x="0" y="0"/>
+          <a:ext cx="0" cy="0"/>
+          <a:chOff x="0" y="0"/>
+          <a:chExt cx="0" cy="0"/>
+        </a:xfrm>
+      </p:grpSpPr>
+      <p:sp>
+        <p:nvSpPr>
+          <p:cNvPr id="2" name="Title 1">
+            <a:extLst>
+              <a:ext uri="{FF2B5EF4-FFF2-40B4-BE49-F238E27FC236}">
+                <a16:creationId xmlns:a16="http://schemas.microsoft.com/office/drawing/2014/main" id="{07C67A42-3F67-4649-A0EB-777579A8C857}"/>
+              </a:ext>
+            </a:extLst>
+          </p:cNvPr>
+          <p:cNvSpPr>
+            <a:spLocks noGrp="1"/>
+          </p:cNvSpPr>
+          <p:nvPr>
+            <p:ph type="title"/>
+          </p:nvPr>
+        </p:nvSpPr>
+        <p:spPr/>
+        <p:txBody>
+          <a:bodyPr>
+            <a:normAutofit/>
+          </a:bodyPr>
+          <a:lstStyle/>
+          <a:p>
+            <a:r>
+              <a:rPr lang="en-IL" sz="3600" dirty="0"/>
+              <a:t>Working with images</a:t>
+            </a:r>
+          </a:p>
+        </p:txBody>
+      </p:sp>
+      <p:sp>
+        <p:nvSpPr>
+          <p:cNvPr id="3" name="Content Placeholder 2">
+            <a:extLst>
+              <a:ext uri="{FF2B5EF4-FFF2-40B4-BE49-F238E27FC236}">
+                <a16:creationId xmlns:a16="http://schemas.microsoft.com/office/drawing/2014/main" id="{10463CF5-58C0-4342-BB93-BCBA5CC9B4E1}"/>
+              </a:ext>
+            </a:extLst>
+          </p:cNvPr>
+          <p:cNvSpPr>
+            <a:spLocks noGrp="1"/>
+          </p:cNvSpPr>
+          <p:nvPr>
+            <p:ph idx="1"/>
+          </p:nvPr>
+        </p:nvSpPr>
+        <p:spPr/>
+        <p:txBody>
+          <a:bodyPr/>
+          <a:lstStyle/>
+          <a:p>
+            <a:r>
+              <a:rPr lang="en-IL" dirty="0"/>
+              <a:t>Let us compare the two implementations:</a:t>
+            </a:r>
+          </a:p>
+          <a:p>
+            <a:pPr lvl="1"/>
+            <a:r>
+              <a:rPr lang="en-IL" dirty="0"/>
+              <a:t>Implementation 1 on input 100X100: </a:t>
+            </a:r>
+            <a:r>
+              <a:rPr lang="en-US" dirty="0"/>
+              <a:t>6.02 </a:t>
+            </a:r>
+            <a:r>
+              <a:rPr lang="en-US" dirty="0" err="1"/>
+              <a:t>ms</a:t>
+            </a:r>
+            <a:endParaRPr lang="en-US" dirty="0"/>
+          </a:p>
+          <a:p>
+            <a:pPr lvl="1"/>
+            <a:r>
+              <a:rPr lang="en-US" dirty="0"/>
+              <a:t>Implementation 2 on input 100x100: 44.7 µs</a:t>
+            </a:r>
+          </a:p>
+          <a:p>
+            <a:pPr lvl="1"/>
+            <a:r>
+              <a:rPr lang="en-US" dirty="0"/>
+              <a:t>~x120 times faster!</a:t>
+            </a:r>
+          </a:p>
+          <a:p>
+            <a:pPr lvl="1"/>
+            <a:r>
+              <a:rPr lang="en-US" dirty="0"/>
+              <a:t>Implementation 3 on input 100x100: </a:t>
+            </a:r>
+            <a:r>
+              <a:rPr lang="en-IL" dirty="0"/>
+              <a:t>33.1 </a:t>
+            </a:r>
+            <a:r>
+              <a:rPr lang="en-US" dirty="0"/>
+              <a:t> µs (30% faster)</a:t>
+            </a:r>
+          </a:p>
+          <a:p>
+            <a:pPr lvl="1"/>
+            <a:endParaRPr lang="en-IL" dirty="0"/>
+          </a:p>
+        </p:txBody>
+      </p:sp>
+    </p:spTree>
+    <p:extLst>
+      <p:ext uri="{BB962C8B-B14F-4D97-AF65-F5344CB8AC3E}">
+        <p14:creationId xmlns:p14="http://schemas.microsoft.com/office/powerpoint/2010/main" val="2988605356"/>
+      </p:ext>
+    </p:extLst>
+  </p:cSld>
+  <p:clrMapOvr>
+    <a:masterClrMapping/>
+  </p:clrMapOvr>
+</p:sld>
+</file>
+
+<file path=ppt/slides/slide23.xml><?xml version="1.0" encoding="utf-8"?>
+<p:sld xmlns:a="http://schemas.openxmlformats.org/drawingml/2006/main" xmlns:r="http://schemas.openxmlformats.org/officeDocument/2006/relationships" xmlns:p="http://schemas.openxmlformats.org/presentationml/2006/main">
+  <p:cSld>
+    <p:spTree>
+      <p:nvGrpSpPr>
+        <p:cNvPr id="1" name=""/>
+        <p:cNvGrpSpPr/>
+        <p:nvPr/>
+      </p:nvGrpSpPr>
+      <p:grpSpPr>
+        <a:xfrm>
+          <a:off x="0" y="0"/>
+          <a:ext cx="0" cy="0"/>
+          <a:chOff x="0" y="0"/>
+          <a:chExt cx="0" cy="0"/>
+        </a:xfrm>
+      </p:grpSpPr>
+      <p:sp>
+        <p:nvSpPr>
+          <p:cNvPr id="2" name="Title 1"/>
+          <p:cNvSpPr>
+            <a:spLocks noGrp="1"/>
+          </p:cNvSpPr>
+          <p:nvPr>
+            <p:ph type="title"/>
+          </p:nvPr>
+        </p:nvSpPr>
+        <p:spPr/>
+        <p:txBody>
+          <a:bodyPr/>
+          <a:lstStyle/>
+          <a:p>
+            <a:r>
+              <a:rPr lang="en-US" dirty="0"/>
+              <a:t>Save Image with Pillow</a:t>
+            </a:r>
+          </a:p>
+        </p:txBody>
+      </p:sp>
+      <p:sp>
+        <p:nvSpPr>
+          <p:cNvPr id="5" name="Content Placeholder 4">
+            <a:extLst>
+              <a:ext uri="{FF2B5EF4-FFF2-40B4-BE49-F238E27FC236}">
+                <a16:creationId xmlns:a16="http://schemas.microsoft.com/office/drawing/2014/main" id="{32878B0B-E9CE-5D4C-8811-3735DD6E74BB}"/>
+              </a:ext>
+            </a:extLst>
+          </p:cNvPr>
+          <p:cNvSpPr>
+            <a:spLocks noGrp="1"/>
+          </p:cNvSpPr>
+          <p:nvPr>
+            <p:ph idx="1"/>
+          </p:nvPr>
+        </p:nvSpPr>
+        <p:spPr>
+          <a:xfrm>
+            <a:off x="457200" y="2133600"/>
+            <a:ext cx="8229600" cy="3992563"/>
+          </a:xfrm>
+        </p:spPr>
+        <p:txBody>
+          <a:bodyPr/>
+          <a:lstStyle/>
+          <a:p>
+            <a:r>
+              <a:rPr lang="en-US" dirty="0" err="1"/>
+              <a:t>img_data</a:t>
+            </a:r>
+            <a:r>
+              <a:rPr lang="en-US" dirty="0"/>
+              <a:t> = </a:t>
+            </a:r>
+            <a:r>
+              <a:rPr lang="en-US" dirty="0" err="1"/>
+              <a:t>img_data.astype</a:t>
+            </a:r>
+            <a:r>
+              <a:rPr lang="en-US" dirty="0"/>
+              <a:t>(np.uint8)</a:t>
+            </a:r>
+          </a:p>
+          <a:p>
+            <a:pPr lvl="1"/>
+            <a:r>
+              <a:rPr lang="en-US" dirty="0"/>
+              <a:t>Pixels are stored as 3-bytes (RGB)</a:t>
+            </a:r>
+          </a:p>
+          <a:p>
+            <a:r>
+              <a:rPr lang="en-US" dirty="0" err="1"/>
+              <a:t>pil_img</a:t>
+            </a:r>
+            <a:r>
+              <a:rPr lang="en-US" dirty="0"/>
+              <a:t>= </a:t>
+            </a:r>
+            <a:r>
+              <a:rPr lang="en-US" dirty="0" err="1"/>
+              <a:t>PIL.Image.fromarray</a:t>
+            </a:r>
+            <a:r>
+              <a:rPr lang="en-US" dirty="0"/>
+              <a:t>(</a:t>
+            </a:r>
+            <a:r>
+              <a:rPr lang="en-US" dirty="0" err="1"/>
+              <a:t>img_data</a:t>
+            </a:r>
+            <a:r>
+              <a:rPr lang="en-US" dirty="0"/>
+              <a:t>)</a:t>
+            </a:r>
+          </a:p>
+          <a:p>
+            <a:pPr lvl="1"/>
+            <a:r>
+              <a:rPr lang="en-US" dirty="0"/>
+              <a:t>Convert from </a:t>
+            </a:r>
+            <a:r>
+              <a:rPr lang="en-US" dirty="0" err="1"/>
+              <a:t>numpy</a:t>
+            </a:r>
+            <a:r>
+              <a:rPr lang="en-US" dirty="0"/>
+              <a:t> to PIL</a:t>
+            </a:r>
+          </a:p>
+          <a:p>
+            <a:r>
+              <a:rPr lang="en-US" dirty="0" err="1"/>
+              <a:t>pil_img.save</a:t>
+            </a:r>
+            <a:r>
+              <a:rPr lang="en-US" dirty="0"/>
+              <a:t>(path)</a:t>
+            </a:r>
+          </a:p>
+          <a:p>
+            <a:pPr lvl="1"/>
+            <a:r>
+              <a:rPr lang="en-US" dirty="0"/>
+              <a:t>Save image using pillow</a:t>
+            </a:r>
+            <a:endParaRPr lang="en-IL" dirty="0"/>
+          </a:p>
+        </p:txBody>
+      </p:sp>
+    </p:spTree>
+    <p:extLst>
+      <p:ext uri="{BB962C8B-B14F-4D97-AF65-F5344CB8AC3E}">
+        <p14:creationId xmlns:p14="http://schemas.microsoft.com/office/powerpoint/2010/main" val="2364184636"/>
+      </p:ext>
+    </p:extLst>
+  </p:cSld>
+  <p:clrMapOvr>
+    <a:masterClrMapping/>
+  </p:clrMapOvr>
+  <p:timing>
+    <p:tnLst>
+      <p:par>
+        <p:cTn id="1" dur="indefinite" restart="never" nodeType="tmRoot">
+          <p:childTnLst>
+            <p:seq concurrent="1" nextAc="seek">
+              <p:cTn id="2" dur="indefinite" nodeType="mainSeq">
+                <p:childTnLst>
+                  <p:par>
+                    <p:cTn id="3" fill="hold">
+                      <p:stCondLst>
+                        <p:cond delay="indefinite"/>
+                      </p:stCondLst>
+                      <p:childTnLst>
+                        <p:par>
+                          <p:cTn id="4" fill="hold">
+                            <p:stCondLst>
+                              <p:cond delay="0"/>
+                            </p:stCondLst>
+                            <p:childTnLst>
+                              <p:par>
+                                <p:cTn id="5" presetID="1" presetClass="entr" presetSubtype="0" fill="hold" grpId="0" nodeType="clickEffect">
+                                  <p:stCondLst>
+                                    <p:cond delay="0"/>
+                                  </p:stCondLst>
+                                  <p:childTnLst>
+                                    <p:set>
+                                      <p:cBhvr>
+                                        <p:cTn id="6" dur="1" fill="hold">
+                                          <p:stCondLst>
+                                            <p:cond delay="0"/>
+                                          </p:stCondLst>
+                                        </p:cTn>
+                                        <p:tgtEl>
+                                          <p:spTgt spid="5">
+                                            <p:txEl>
+                                              <p:pRg st="0" end="0"/>
+                                            </p:txEl>
+                                          </p:spTgt>
+                                        </p:tgtEl>
+                                        <p:attrNameLst>
+                                          <p:attrName>style.visibility</p:attrName>
+                                        </p:attrNameLst>
+                                      </p:cBhvr>
+                                      <p:to>
+                                        <p:strVal val="visible"/>
+                                      </p:to>
+                                    </p:set>
+                                  </p:childTnLst>
+                                </p:cTn>
+                              </p:par>
+                              <p:par>
+                                <p:cTn id="7" presetID="1" presetClass="entr" presetSubtype="0" fill="hold" grpId="0" nodeType="withEffect">
+                                  <p:stCondLst>
+                                    <p:cond delay="0"/>
+                                  </p:stCondLst>
+                                  <p:childTnLst>
+                                    <p:set>
+                                      <p:cBhvr>
+                                        <p:cTn id="8" dur="1" fill="hold">
+                                          <p:stCondLst>
+                                            <p:cond delay="0"/>
+                                          </p:stCondLst>
+                                        </p:cTn>
+                                        <p:tgtEl>
+                                          <p:spTgt spid="5">
+                                            <p:txEl>
+                                              <p:pRg st="1" end="1"/>
+                                            </p:txEl>
+                                          </p:spTgt>
+                                        </p:tgtEl>
+                                        <p:attrNameLst>
+                                          <p:attrName>style.visibility</p:attrName>
+                                        </p:attrNameLst>
+                                      </p:cBhvr>
+                                      <p:to>
+                                        <p:strVal val="visible"/>
+                                      </p:to>
+                                    </p:set>
+                                  </p:childTnLst>
+                                </p:cTn>
+                              </p:par>
+                            </p:childTnLst>
+                          </p:cTn>
+                        </p:par>
+                      </p:childTnLst>
+                    </p:cTn>
+                  </p:par>
+                  <p:par>
+                    <p:cTn id="9" fill="hold">
+                      <p:stCondLst>
+                        <p:cond delay="indefinite"/>
+                      </p:stCondLst>
+                      <p:childTnLst>
+                        <p:par>
+                          <p:cTn id="10" fill="hold">
+                            <p:stCondLst>
+                              <p:cond delay="0"/>
+                            </p:stCondLst>
+                            <p:childTnLst>
+                              <p:par>
+                                <p:cTn id="11" presetID="1" presetClass="entr" presetSubtype="0" fill="hold" grpId="0" nodeType="clickEffect">
+                                  <p:stCondLst>
+                                    <p:cond delay="0"/>
+                                  </p:stCondLst>
+                                  <p:childTnLst>
+                                    <p:set>
+                                      <p:cBhvr>
+                                        <p:cTn id="12" dur="1" fill="hold">
+                                          <p:stCondLst>
+                                            <p:cond delay="0"/>
+                                          </p:stCondLst>
+                                        </p:cTn>
+                                        <p:tgtEl>
+                                          <p:spTgt spid="5">
+                                            <p:txEl>
+                                              <p:pRg st="2" end="2"/>
+                                            </p:txEl>
+                                          </p:spTgt>
+                                        </p:tgtEl>
+                                        <p:attrNameLst>
+                                          <p:attrName>style.visibility</p:attrName>
+                                        </p:attrNameLst>
+                                      </p:cBhvr>
+                                      <p:to>
+                                        <p:strVal val="visible"/>
+                                      </p:to>
+                                    </p:set>
+                                  </p:childTnLst>
+                                </p:cTn>
+                              </p:par>
+                              <p:par>
+                                <p:cTn id="13" presetID="1" presetClass="entr" presetSubtype="0" fill="hold" grpId="0" nodeType="withEffect">
+                                  <p:stCondLst>
+                                    <p:cond delay="0"/>
+                                  </p:stCondLst>
+                                  <p:childTnLst>
+                                    <p:set>
+                                      <p:cBhvr>
+                                        <p:cTn id="14" dur="1" fill="hold">
+                                          <p:stCondLst>
+                                            <p:cond delay="0"/>
+                                          </p:stCondLst>
+                                        </p:cTn>
+                                        <p:tgtEl>
+                                          <p:spTgt spid="5">
+                                            <p:txEl>
+                                              <p:pRg st="3" end="3"/>
+                                            </p:txEl>
+                                          </p:spTgt>
+                                        </p:tgtEl>
+                                        <p:attrNameLst>
+                                          <p:attrName>style.visibility</p:attrName>
+                                        </p:attrNameLst>
+                                      </p:cBhvr>
+                                      <p:to>
+                                        <p:strVal val="visible"/>
+                                      </p:to>
+                                    </p:set>
+                                  </p:childTnLst>
+                                </p:cTn>
+                              </p:par>
+                            </p:childTnLst>
+                          </p:cTn>
+                        </p:par>
+                      </p:childTnLst>
+                    </p:cTn>
+                  </p:par>
+                  <p:par>
+                    <p:cTn id="15" fill="hold">
+                      <p:stCondLst>
+                        <p:cond delay="indefinite"/>
+                      </p:stCondLst>
+                      <p:childTnLst>
+                        <p:par>
+                          <p:cTn id="16" fill="hold">
+                            <p:stCondLst>
+                              <p:cond delay="0"/>
+                            </p:stCondLst>
+                            <p:childTnLst>
+                              <p:par>
+                                <p:cTn id="17" presetID="1" presetClass="entr" presetSubtype="0" fill="hold" grpId="0" nodeType="clickEffect">
+                                  <p:stCondLst>
+                                    <p:cond delay="0"/>
+                                  </p:stCondLst>
+                                  <p:childTnLst>
+                                    <p:set>
+                                      <p:cBhvr>
+                                        <p:cTn id="18" dur="1" fill="hold">
+                                          <p:stCondLst>
+                                            <p:cond delay="0"/>
+                                          </p:stCondLst>
+                                        </p:cTn>
+                                        <p:tgtEl>
+                                          <p:spTgt spid="5">
+                                            <p:txEl>
+                                              <p:pRg st="4" end="4"/>
+                                            </p:txEl>
+                                          </p:spTgt>
+                                        </p:tgtEl>
+                                        <p:attrNameLst>
+                                          <p:attrName>style.visibility</p:attrName>
+                                        </p:attrNameLst>
+                                      </p:cBhvr>
+                                      <p:to>
+                                        <p:strVal val="visible"/>
+                                      </p:to>
+                                    </p:set>
+                                  </p:childTnLst>
+                                </p:cTn>
+                              </p:par>
+                              <p:par>
+                                <p:cTn id="19" presetID="1" presetClass="entr" presetSubtype="0" fill="hold" grpId="0" nodeType="withEffect">
+                                  <p:stCondLst>
+                                    <p:cond delay="0"/>
+                                  </p:stCondLst>
+                                  <p:childTnLst>
+                                    <p:set>
+                                      <p:cBhvr>
+                                        <p:cTn id="20" dur="1" fill="hold">
+                                          <p:stCondLst>
+                                            <p:cond delay="0"/>
+                                          </p:stCondLst>
+                                        </p:cTn>
+                                        <p:tgtEl>
+                                          <p:spTgt spid="5">
+                                            <p:txEl>
+                                              <p:pRg st="5" end="5"/>
+                                            </p:txEl>
+                                          </p:spTgt>
+                                        </p:tgtEl>
+                                        <p:attrNameLst>
+                                          <p:attrName>style.visibility</p:attrName>
+                                        </p:attrNameLst>
+                                      </p:cBhvr>
+                                      <p:to>
+                                        <p:strVal val="visible"/>
+                                      </p:to>
+                                    </p:set>
+                                  </p:childTnLst>
+                                </p:cTn>
+                              </p:par>
+                            </p:childTnLst>
+                          </p:cTn>
+                        </p:par>
+                      </p:childTnLst>
+                    </p:cTn>
+                  </p:par>
+                </p:childTnLst>
+              </p:cTn>
+              <p:prevCondLst>
+                <p:cond evt="onPrev" delay="0">
+                  <p:tgtEl>
+                    <p:sldTgt/>
+                  </p:tgtEl>
+                </p:cond>
+              </p:prevCondLst>
+              <p:nextCondLst>
+                <p:cond evt="onNext" delay="0">
+                  <p:tgtEl>
+                    <p:sldTgt/>
+                  </p:tgtEl>
+                </p:cond>
+              </p:nextCondLst>
+            </p:seq>
+          </p:childTnLst>
+        </p:cTn>
+      </p:par>
+    </p:tnLst>
+    <p:bldLst>
+      <p:bldP spid="5" grpId="0" build="p"/>
+    </p:bldLst>
+  </p:timing>
+</p:sld>
+</file>
+
+<file path=ppt/slides/slide24.xml><?xml version="1.0" encoding="utf-8"?>
+<p:sld xmlns:a="http://schemas.openxmlformats.org/drawingml/2006/main" xmlns:r="http://schemas.openxmlformats.org/officeDocument/2006/relationships" xmlns:p="http://schemas.openxmlformats.org/presentationml/2006/main">
+  <p:cSld>
+    <p:spTree>
+      <p:nvGrpSpPr>
+        <p:cNvPr id="1" name=""/>
+        <p:cNvGrpSpPr/>
+        <p:nvPr/>
+      </p:nvGrpSpPr>
+      <p:grpSpPr>
+        <a:xfrm>
+          <a:off x="0" y="0"/>
+          <a:ext cx="0" cy="0"/>
+          <a:chOff x="0" y="0"/>
+          <a:chExt cx="0" cy="0"/>
+        </a:xfrm>
+      </p:grpSpPr>
+      <p:sp>
+        <p:nvSpPr>
+          <p:cNvPr id="2" name="Title 1"/>
+          <p:cNvSpPr>
+            <a:spLocks noGrp="1"/>
+          </p:cNvSpPr>
+          <p:nvPr>
+            <p:ph type="ctrTitle"/>
+          </p:nvPr>
+        </p:nvSpPr>
+        <p:spPr/>
+        <p:txBody>
+          <a:bodyPr/>
+          <a:lstStyle/>
+          <a:p>
+            <a:r>
+              <a:rPr lang="en-US" sz="4800" dirty="0"/>
+              <a:t>Exercise 1:</a:t>
+            </a:r>
+            <a:br>
+              <a:rPr lang="en-US" dirty="0"/>
+            </a:br>
+            <a:r>
+              <a:rPr lang="en-US" dirty="0"/>
+              <a:t>Any other questions?</a:t>
+            </a:r>
+            <a:br>
+              <a:rPr lang="en-US" dirty="0"/>
+            </a:br>
+            <a:r>
+              <a:rPr lang="en-US" sz="2000" dirty="0" err="1"/>
+              <a:t>moabarar@mail.tau.ac.il</a:t>
+            </a:r>
+            <a:endParaRPr lang="en-US" dirty="0"/>
+          </a:p>
+        </p:txBody>
+      </p:sp>
+    </p:spTree>
+    <p:extLst>
+      <p:ext uri="{BB962C8B-B14F-4D97-AF65-F5344CB8AC3E}">
+        <p14:creationId xmlns:p14="http://schemas.microsoft.com/office/powerpoint/2010/main" val="1114664319"/>
+      </p:ext>
+    </p:extLst>
+  </p:cSld>
+  <p:clrMapOvr>
+    <a:masterClrMapping/>
+  </p:clrMapOvr>
 </p:sld>
 </file>
 
@@ -33033,6 +34360,15 @@
 </file>
 
 <file path=customXml/item1.xml><?xml version="1.0" encoding="utf-8"?>
+<?mso-contentType ?>
+<FormTemplates xmlns="http://schemas.microsoft.com/sharepoint/v3/contenttype/forms">
+  <Display>DocumentLibraryForm</Display>
+  <Edit>DocumentLibraryForm</Edit>
+  <New>DocumentLibraryForm</New>
+</FormTemplates>
+</file>
+
+<file path=customXml/item2.xml><?xml version="1.0" encoding="utf-8"?>
 <ct:contentTypeSchema xmlns:ct="http://schemas.microsoft.com/office/2006/metadata/contentType" xmlns:ma="http://schemas.microsoft.com/office/2006/metadata/properties/metaAttributes" ct:_="" ma:_="" ma:contentTypeName="מסמך" ma:contentTypeID="0x010100964912F8CA045E4D9401ABFFF3C0940D" ma:contentTypeVersion="0" ma:contentTypeDescription="צור מסמך חדש." ma:contentTypeScope="" ma:versionID="9023b1b3826864bb8e70d956d6263d21">
   <xsd:schema xmlns:xsd="http://www.w3.org/2001/XMLSchema" xmlns:p="http://schemas.microsoft.com/office/2006/metadata/properties" targetNamespace="http://schemas.microsoft.com/office/2006/metadata/properties" ma:root="true" ma:fieldsID="2c7d503b2acf974fb06ee4efbd20f8c9">
     <xsd:element name="properties">
@@ -33081,15 +34417,6 @@
 </ct:contentTypeSchema>
 </file>
 
-<file path=customXml/item2.xml><?xml version="1.0" encoding="utf-8"?>
-<?mso-contentType ?>
-<FormTemplates xmlns="http://schemas.microsoft.com/sharepoint/v3/contenttype/forms">
-  <Display>DocumentLibraryForm</Display>
-  <Edit>DocumentLibraryForm</Edit>
-  <New>DocumentLibraryForm</New>
-</FormTemplates>
-</file>
-
 <file path=customXml/item3.xml><?xml version="1.0" encoding="utf-8"?>
 <p:properties xmlns:p="http://schemas.microsoft.com/office/2006/metadata/properties" xmlns:xsi="http://www.w3.org/2001/XMLSchema-instance">
   <documentManagement/>
@@ -33097,6 +34424,14 @@
 </file>
 
 <file path=customXml/itemProps1.xml><?xml version="1.0" encoding="utf-8"?>
+<ds:datastoreItem xmlns:ds="http://schemas.openxmlformats.org/officeDocument/2006/customXml" ds:itemID="{F784277A-9726-47C8-BE8B-BC73C51CE1B2}">
+  <ds:schemaRefs>
+    <ds:schemaRef ds:uri="http://schemas.microsoft.com/sharepoint/v3/contenttype/forms"/>
+  </ds:schemaRefs>
+</ds:datastoreItem>
+</file>
+
+<file path=customXml/itemProps2.xml><?xml version="1.0" encoding="utf-8"?>
 <ds:datastoreItem xmlns:ds="http://schemas.openxmlformats.org/officeDocument/2006/customXml" ds:itemID="{BD1785EC-E6D5-4F4A-922A-3D792F2EC7E2}">
   <ds:schemaRefs>
     <ds:schemaRef ds:uri="http://schemas.microsoft.com/office/2006/metadata/contentType"/>
@@ -33107,14 +34442,6 @@
     <ds:schemaRef ds:uri="http://purl.org/dc/elements/1.1/"/>
     <ds:schemaRef ds:uri="http://purl.org/dc/terms/"/>
     <ds:schemaRef ds:uri="http://schemas.microsoft.com/office/internal/2005/internalDocumentation"/>
-  </ds:schemaRefs>
-</ds:datastoreItem>
-</file>
-
-<file path=customXml/itemProps2.xml><?xml version="1.0" encoding="utf-8"?>
-<ds:datastoreItem xmlns:ds="http://schemas.openxmlformats.org/officeDocument/2006/customXml" ds:itemID="{F784277A-9726-47C8-BE8B-BC73C51CE1B2}">
-  <ds:schemaRefs>
-    <ds:schemaRef ds:uri="http://schemas.microsoft.com/sharepoint/v3/contenttype/forms"/>
   </ds:schemaRefs>
 </ds:datastoreItem>
 </file>
